--- a/prezentacie/p13w.pptx
+++ b/prezentacie/p13w.pptx
@@ -252,7 +252,7 @@
           <a:p>
             <a:fld id="{10052495-8BC8-4CFB-94B1-B0429F101A0D}" type="datetimeFigureOut">
               <a:rPr lang="sk-SK" smtClean="0"/>
-              <a:t>30. 11. 2025</a:t>
+              <a:t>3. 12. 2025</a:t>
             </a:fld>
             <a:endParaRPr lang="sk-SK"/>
           </a:p>
@@ -422,7 +422,7 @@
           <a:p>
             <a:fld id="{10052495-8BC8-4CFB-94B1-B0429F101A0D}" type="datetimeFigureOut">
               <a:rPr lang="sk-SK" smtClean="0"/>
-              <a:t>30. 11. 2025</a:t>
+              <a:t>3. 12. 2025</a:t>
             </a:fld>
             <a:endParaRPr lang="sk-SK"/>
           </a:p>
@@ -602,7 +602,7 @@
           <a:p>
             <a:fld id="{10052495-8BC8-4CFB-94B1-B0429F101A0D}" type="datetimeFigureOut">
               <a:rPr lang="sk-SK" smtClean="0"/>
-              <a:t>30. 11. 2025</a:t>
+              <a:t>3. 12. 2025</a:t>
             </a:fld>
             <a:endParaRPr lang="sk-SK"/>
           </a:p>
@@ -772,7 +772,7 @@
           <a:p>
             <a:fld id="{10052495-8BC8-4CFB-94B1-B0429F101A0D}" type="datetimeFigureOut">
               <a:rPr lang="sk-SK" smtClean="0"/>
-              <a:t>30. 11. 2025</a:t>
+              <a:t>3. 12. 2025</a:t>
             </a:fld>
             <a:endParaRPr lang="sk-SK"/>
           </a:p>
@@ -1018,7 +1018,7 @@
           <a:p>
             <a:fld id="{10052495-8BC8-4CFB-94B1-B0429F101A0D}" type="datetimeFigureOut">
               <a:rPr lang="sk-SK" smtClean="0"/>
-              <a:t>30. 11. 2025</a:t>
+              <a:t>3. 12. 2025</a:t>
             </a:fld>
             <a:endParaRPr lang="sk-SK"/>
           </a:p>
@@ -1250,7 +1250,7 @@
           <a:p>
             <a:fld id="{10052495-8BC8-4CFB-94B1-B0429F101A0D}" type="datetimeFigureOut">
               <a:rPr lang="sk-SK" smtClean="0"/>
-              <a:t>30. 11. 2025</a:t>
+              <a:t>3. 12. 2025</a:t>
             </a:fld>
             <a:endParaRPr lang="sk-SK"/>
           </a:p>
@@ -1617,7 +1617,7 @@
           <a:p>
             <a:fld id="{10052495-8BC8-4CFB-94B1-B0429F101A0D}" type="datetimeFigureOut">
               <a:rPr lang="sk-SK" smtClean="0"/>
-              <a:t>30. 11. 2025</a:t>
+              <a:t>3. 12. 2025</a:t>
             </a:fld>
             <a:endParaRPr lang="sk-SK"/>
           </a:p>
@@ -1735,7 +1735,7 @@
           <a:p>
             <a:fld id="{10052495-8BC8-4CFB-94B1-B0429F101A0D}" type="datetimeFigureOut">
               <a:rPr lang="sk-SK" smtClean="0"/>
-              <a:t>30. 11. 2025</a:t>
+              <a:t>3. 12. 2025</a:t>
             </a:fld>
             <a:endParaRPr lang="sk-SK"/>
           </a:p>
@@ -1830,7 +1830,7 @@
           <a:p>
             <a:fld id="{10052495-8BC8-4CFB-94B1-B0429F101A0D}" type="datetimeFigureOut">
               <a:rPr lang="sk-SK" smtClean="0"/>
-              <a:t>30. 11. 2025</a:t>
+              <a:t>3. 12. 2025</a:t>
             </a:fld>
             <a:endParaRPr lang="sk-SK"/>
           </a:p>
@@ -2107,7 +2107,7 @@
           <a:p>
             <a:fld id="{10052495-8BC8-4CFB-94B1-B0429F101A0D}" type="datetimeFigureOut">
               <a:rPr lang="sk-SK" smtClean="0"/>
-              <a:t>30. 11. 2025</a:t>
+              <a:t>3. 12. 2025</a:t>
             </a:fld>
             <a:endParaRPr lang="sk-SK"/>
           </a:p>
@@ -2364,7 +2364,7 @@
           <a:p>
             <a:fld id="{10052495-8BC8-4CFB-94B1-B0429F101A0D}" type="datetimeFigureOut">
               <a:rPr lang="sk-SK" smtClean="0"/>
-              <a:t>30. 11. 2025</a:t>
+              <a:t>3. 12. 2025</a:t>
             </a:fld>
             <a:endParaRPr lang="sk-SK"/>
           </a:p>
@@ -2577,7 +2577,7 @@
           <a:p>
             <a:fld id="{10052495-8BC8-4CFB-94B1-B0429F101A0D}" type="datetimeFigureOut">
               <a:rPr lang="sk-SK" smtClean="0"/>
-              <a:t>30. 11. 2025</a:t>
+              <a:t>3. 12. 2025</a:t>
             </a:fld>
             <a:endParaRPr lang="sk-SK"/>
           </a:p>
@@ -5737,60 +5737,6 @@
               <a:t> - vykreslí do okna</a:t>
             </a:r>
           </a:p>
-          <a:p>
-            <a:pPr marL="0" indent="0">
-              <a:buNone/>
-            </a:pPr>
-            <a:r>
-              <a:rPr lang="sk-SK" dirty="0"/>
-              <a:t>Vykresľovanie obrázku v 2-3 krokoch: </a:t>
-            </a:r>
-          </a:p>
-          <a:p>
-            <a:pPr lvl="1"/>
-            <a:r>
-              <a:rPr lang="sk-SK" dirty="0" err="1">
-                <a:highlight>
-                  <a:srgbClr val="FFFF00"/>
-                </a:highlight>
-                <a:latin typeface="Consolas" panose="020B0609020204030204" pitchFamily="49" charset="0"/>
-              </a:rPr>
-              <a:t>pygame.image.load</a:t>
-            </a:r>
-            <a:r>
-              <a:rPr lang="sk-SK" dirty="0"/>
-              <a:t>, (</a:t>
-            </a:r>
-            <a:r>
-              <a:rPr lang="sk-SK" dirty="0" err="1">
-                <a:highlight>
-                  <a:srgbClr val="FFFF00"/>
-                </a:highlight>
-                <a:latin typeface="Consolas" panose="020B0609020204030204" pitchFamily="49" charset="0"/>
-              </a:rPr>
-              <a:t>pygame.transform.scale</a:t>
-            </a:r>
-            <a:r>
-              <a:rPr lang="sk-SK" dirty="0"/>
-              <a:t>)</a:t>
-            </a:r>
-          </a:p>
-          <a:p>
-            <a:pPr lvl="1"/>
-            <a:r>
-              <a:rPr lang="sk-SK" dirty="0" err="1">
-                <a:highlight>
-                  <a:srgbClr val="FFFF00"/>
-                </a:highlight>
-                <a:latin typeface="Consolas" panose="020B0609020204030204" pitchFamily="49" charset="0"/>
-              </a:rPr>
-              <a:t>screen.blit</a:t>
-            </a:r>
-            <a:r>
-              <a:rPr lang="sk-SK" dirty="0"/>
-              <a:t> - vykreslí do okna</a:t>
-            </a:r>
-          </a:p>
         </p:txBody>
       </p:sp>
       <p:sp>
@@ -6165,198 +6111,6 @@
               </a:spcBef>
               <a:buNone/>
             </a:pPr>
-            <a:r>
-              <a:rPr lang="sk-SK" sz="2400" dirty="0">
-                <a:highlight>
-                  <a:srgbClr val="FFFF00"/>
-                </a:highlight>
-                <a:latin typeface="Consolas" panose="020B0609020204030204" pitchFamily="49" charset="0"/>
-              </a:rPr>
-              <a:t>    </a:t>
-            </a:r>
-            <a:r>
-              <a:rPr lang="sk-SK" sz="2400" dirty="0" err="1">
-                <a:highlight>
-                  <a:srgbClr val="FFFF00"/>
-                </a:highlight>
-                <a:latin typeface="Consolas" panose="020B0609020204030204" pitchFamily="49" charset="0"/>
-              </a:rPr>
-              <a:t>if</a:t>
-            </a:r>
-            <a:r>
-              <a:rPr lang="sk-SK" sz="2400" dirty="0">
-                <a:highlight>
-                  <a:srgbClr val="FFFF00"/>
-                </a:highlight>
-                <a:latin typeface="Consolas" panose="020B0609020204030204" pitchFamily="49" charset="0"/>
-              </a:rPr>
-              <a:t> </a:t>
-            </a:r>
-            <a:r>
-              <a:rPr lang="sk-SK" sz="2400" b="1" dirty="0" err="1">
-                <a:highlight>
-                  <a:srgbClr val="FFFF00"/>
-                </a:highlight>
-                <a:latin typeface="Consolas" panose="020B0609020204030204" pitchFamily="49" charset="0"/>
-              </a:rPr>
-              <a:t>event.type</a:t>
-            </a:r>
-            <a:r>
-              <a:rPr lang="sk-SK" sz="2400" b="1" dirty="0">
-                <a:highlight>
-                  <a:srgbClr val="FFFF00"/>
-                </a:highlight>
-                <a:latin typeface="Consolas" panose="020B0609020204030204" pitchFamily="49" charset="0"/>
-              </a:rPr>
-              <a:t> == </a:t>
-            </a:r>
-            <a:r>
-              <a:rPr lang="sk-SK" sz="2400" b="1" dirty="0" err="1">
-                <a:highlight>
-                  <a:srgbClr val="FFFF00"/>
-                </a:highlight>
-                <a:latin typeface="Consolas" panose="020B0609020204030204" pitchFamily="49" charset="0"/>
-              </a:rPr>
-              <a:t>pygame.MOUSEBUTTONDOWN</a:t>
-            </a:r>
-            <a:r>
-              <a:rPr lang="sk-SK" sz="2400" dirty="0">
-                <a:highlight>
-                  <a:srgbClr val="FFFF00"/>
-                </a:highlight>
-                <a:latin typeface="Consolas" panose="020B0609020204030204" pitchFamily="49" charset="0"/>
-              </a:rPr>
-              <a:t>:</a:t>
-            </a:r>
-          </a:p>
-          <a:p>
-            <a:pPr marL="0" indent="0">
-              <a:spcBef>
-                <a:spcPts val="0"/>
-              </a:spcBef>
-              <a:buNone/>
-            </a:pPr>
-            <a:r>
-              <a:rPr lang="sk-SK" sz="2400" dirty="0">
-                <a:highlight>
-                  <a:srgbClr val="FFFF00"/>
-                </a:highlight>
-                <a:latin typeface="Consolas" panose="020B0609020204030204" pitchFamily="49" charset="0"/>
-              </a:rPr>
-              <a:t>        </a:t>
-            </a:r>
-            <a:r>
-              <a:rPr lang="sk-SK" sz="2400" dirty="0" err="1">
-                <a:highlight>
-                  <a:srgbClr val="FFFF00"/>
-                </a:highlight>
-                <a:latin typeface="Consolas" panose="020B0609020204030204" pitchFamily="49" charset="0"/>
-              </a:rPr>
-              <a:t>if</a:t>
-            </a:r>
-            <a:r>
-              <a:rPr lang="sk-SK" sz="2400" dirty="0">
-                <a:highlight>
-                  <a:srgbClr val="FFFF00"/>
-                </a:highlight>
-                <a:latin typeface="Consolas" panose="020B0609020204030204" pitchFamily="49" charset="0"/>
-              </a:rPr>
-              <a:t> </a:t>
-            </a:r>
-            <a:r>
-              <a:rPr lang="sk-SK" sz="2400" b="1" dirty="0" err="1">
-                <a:highlight>
-                  <a:srgbClr val="FFFF00"/>
-                </a:highlight>
-                <a:latin typeface="Consolas" panose="020B0609020204030204" pitchFamily="49" charset="0"/>
-              </a:rPr>
-              <a:t>event.button</a:t>
-            </a:r>
-            <a:r>
-              <a:rPr lang="sk-SK" sz="2400" b="1" dirty="0">
-                <a:highlight>
-                  <a:srgbClr val="FFFF00"/>
-                </a:highlight>
-                <a:latin typeface="Consolas" panose="020B0609020204030204" pitchFamily="49" charset="0"/>
-              </a:rPr>
-              <a:t> == 1</a:t>
-            </a:r>
-            <a:r>
-              <a:rPr lang="sk-SK" sz="2400" dirty="0">
-                <a:highlight>
-                  <a:srgbClr val="FFFF00"/>
-                </a:highlight>
-                <a:latin typeface="Consolas" panose="020B0609020204030204" pitchFamily="49" charset="0"/>
-              </a:rPr>
-              <a:t>:  </a:t>
-            </a:r>
-          </a:p>
-          <a:p>
-            <a:pPr marL="0" indent="0">
-              <a:spcBef>
-                <a:spcPts val="0"/>
-              </a:spcBef>
-              <a:buNone/>
-            </a:pPr>
-            <a:r>
-              <a:rPr lang="sk-SK" sz="2400" dirty="0">
-                <a:highlight>
-                  <a:srgbClr val="FFFF00"/>
-                </a:highlight>
-                <a:latin typeface="Consolas" panose="020B0609020204030204" pitchFamily="49" charset="0"/>
-              </a:rPr>
-              <a:t>            # </a:t>
-            </a:r>
-            <a:r>
-              <a:rPr lang="sk-SK" sz="2400" dirty="0" err="1">
-                <a:highlight>
-                  <a:srgbClr val="FFFF00"/>
-                </a:highlight>
-                <a:latin typeface="Consolas" panose="020B0609020204030204" pitchFamily="49" charset="0"/>
-              </a:rPr>
-              <a:t>Left</a:t>
-            </a:r>
-            <a:r>
-              <a:rPr lang="sk-SK" sz="2400" dirty="0">
-                <a:highlight>
-                  <a:srgbClr val="FFFF00"/>
-                </a:highlight>
-                <a:latin typeface="Consolas" panose="020B0609020204030204" pitchFamily="49" charset="0"/>
-              </a:rPr>
-              <a:t> </a:t>
-            </a:r>
-            <a:r>
-              <a:rPr lang="sk-SK" sz="2400" dirty="0" err="1">
-                <a:highlight>
-                  <a:srgbClr val="FFFF00"/>
-                </a:highlight>
-                <a:latin typeface="Consolas" panose="020B0609020204030204" pitchFamily="49" charset="0"/>
-              </a:rPr>
-              <a:t>click</a:t>
-            </a:r>
-            <a:endParaRPr lang="sk-SK" sz="2400" dirty="0">
-              <a:highlight>
-                <a:srgbClr val="FFFF00"/>
-              </a:highlight>
-              <a:latin typeface="Consolas" panose="020B0609020204030204" pitchFamily="49" charset="0"/>
-            </a:endParaRPr>
-          </a:p>
-          <a:p>
-            <a:pPr marL="0" indent="0">
-              <a:spcBef>
-                <a:spcPts val="0"/>
-              </a:spcBef>
-              <a:buNone/>
-            </a:pPr>
-            <a:r>
-              <a:rPr lang="sk-SK" sz="2400" dirty="0">
-                <a:highlight>
-                  <a:srgbClr val="FFFF00"/>
-                </a:highlight>
-                <a:latin typeface="Consolas" panose="020B0609020204030204" pitchFamily="49" charset="0"/>
-              </a:rPr>
-              <a:t>    </a:t>
-            </a:r>
             <a:r>
               <a:rPr lang="sk-SK" sz="2400" dirty="0" err="1">
                 <a:highlight>

--- a/prezentacie/p13w.pptx
+++ b/prezentacie/p13w.pptx
@@ -252,7 +252,7 @@
           <a:p>
             <a:fld id="{10052495-8BC8-4CFB-94B1-B0429F101A0D}" type="datetimeFigureOut">
               <a:rPr lang="sk-SK" smtClean="0"/>
-              <a:t>3. 12. 2025</a:t>
+              <a:t>9. 12. 2025</a:t>
             </a:fld>
             <a:endParaRPr lang="sk-SK"/>
           </a:p>
@@ -422,7 +422,7 @@
           <a:p>
             <a:fld id="{10052495-8BC8-4CFB-94B1-B0429F101A0D}" type="datetimeFigureOut">
               <a:rPr lang="sk-SK" smtClean="0"/>
-              <a:t>3. 12. 2025</a:t>
+              <a:t>9. 12. 2025</a:t>
             </a:fld>
             <a:endParaRPr lang="sk-SK"/>
           </a:p>
@@ -602,7 +602,7 @@
           <a:p>
             <a:fld id="{10052495-8BC8-4CFB-94B1-B0429F101A0D}" type="datetimeFigureOut">
               <a:rPr lang="sk-SK" smtClean="0"/>
-              <a:t>3. 12. 2025</a:t>
+              <a:t>9. 12. 2025</a:t>
             </a:fld>
             <a:endParaRPr lang="sk-SK"/>
           </a:p>
@@ -772,7 +772,7 @@
           <a:p>
             <a:fld id="{10052495-8BC8-4CFB-94B1-B0429F101A0D}" type="datetimeFigureOut">
               <a:rPr lang="sk-SK" smtClean="0"/>
-              <a:t>3. 12. 2025</a:t>
+              <a:t>9. 12. 2025</a:t>
             </a:fld>
             <a:endParaRPr lang="sk-SK"/>
           </a:p>
@@ -1018,7 +1018,7 @@
           <a:p>
             <a:fld id="{10052495-8BC8-4CFB-94B1-B0429F101A0D}" type="datetimeFigureOut">
               <a:rPr lang="sk-SK" smtClean="0"/>
-              <a:t>3. 12. 2025</a:t>
+              <a:t>9. 12. 2025</a:t>
             </a:fld>
             <a:endParaRPr lang="sk-SK"/>
           </a:p>
@@ -1250,7 +1250,7 @@
           <a:p>
             <a:fld id="{10052495-8BC8-4CFB-94B1-B0429F101A0D}" type="datetimeFigureOut">
               <a:rPr lang="sk-SK" smtClean="0"/>
-              <a:t>3. 12. 2025</a:t>
+              <a:t>9. 12. 2025</a:t>
             </a:fld>
             <a:endParaRPr lang="sk-SK"/>
           </a:p>
@@ -1617,7 +1617,7 @@
           <a:p>
             <a:fld id="{10052495-8BC8-4CFB-94B1-B0429F101A0D}" type="datetimeFigureOut">
               <a:rPr lang="sk-SK" smtClean="0"/>
-              <a:t>3. 12. 2025</a:t>
+              <a:t>9. 12. 2025</a:t>
             </a:fld>
             <a:endParaRPr lang="sk-SK"/>
           </a:p>
@@ -1735,7 +1735,7 @@
           <a:p>
             <a:fld id="{10052495-8BC8-4CFB-94B1-B0429F101A0D}" type="datetimeFigureOut">
               <a:rPr lang="sk-SK" smtClean="0"/>
-              <a:t>3. 12. 2025</a:t>
+              <a:t>9. 12. 2025</a:t>
             </a:fld>
             <a:endParaRPr lang="sk-SK"/>
           </a:p>
@@ -1830,7 +1830,7 @@
           <a:p>
             <a:fld id="{10052495-8BC8-4CFB-94B1-B0429F101A0D}" type="datetimeFigureOut">
               <a:rPr lang="sk-SK" smtClean="0"/>
-              <a:t>3. 12. 2025</a:t>
+              <a:t>9. 12. 2025</a:t>
             </a:fld>
             <a:endParaRPr lang="sk-SK"/>
           </a:p>
@@ -2107,7 +2107,7 @@
           <a:p>
             <a:fld id="{10052495-8BC8-4CFB-94B1-B0429F101A0D}" type="datetimeFigureOut">
               <a:rPr lang="sk-SK" smtClean="0"/>
-              <a:t>3. 12. 2025</a:t>
+              <a:t>9. 12. 2025</a:t>
             </a:fld>
             <a:endParaRPr lang="sk-SK"/>
           </a:p>
@@ -2364,7 +2364,7 @@
           <a:p>
             <a:fld id="{10052495-8BC8-4CFB-94B1-B0429F101A0D}" type="datetimeFigureOut">
               <a:rPr lang="sk-SK" smtClean="0"/>
-              <a:t>3. 12. 2025</a:t>
+              <a:t>9. 12. 2025</a:t>
             </a:fld>
             <a:endParaRPr lang="sk-SK"/>
           </a:p>
@@ -2577,7 +2577,7 @@
           <a:p>
             <a:fld id="{10052495-8BC8-4CFB-94B1-B0429F101A0D}" type="datetimeFigureOut">
               <a:rPr lang="sk-SK" smtClean="0"/>
-              <a:t>3. 12. 2025</a:t>
+              <a:t>9. 12. 2025</a:t>
             </a:fld>
             <a:endParaRPr lang="sk-SK"/>
           </a:p>
@@ -6112,6 +6112,15 @@
               <a:buNone/>
             </a:pPr>
             <a:r>
+              <a:rPr lang="en-US" sz="2400" dirty="0">
+                <a:highlight>
+                  <a:srgbClr val="FFFF00"/>
+                </a:highlight>
+                <a:latin typeface="Consolas" panose="020B0609020204030204" pitchFamily="49" charset="0"/>
+              </a:rPr>
+              <a:t>    </a:t>
+            </a:r>
+            <a:r>
               <a:rPr lang="sk-SK" sz="2400" dirty="0" err="1">
                 <a:highlight>
                   <a:srgbClr val="FFFF00"/>
